--- a/Crash Dummies.pptx
+++ b/Crash Dummies.pptx
@@ -19441,7 +19441,89 @@
           <a:bodyPr/>
           <a:lstStyle/>
           <a:p>
-            <a:endParaRPr lang="en-US"/>
+            <a:pPr marL="457200" indent="-457200">
+              <a:buFont typeface="Arial" panose="020B0604020202020204" pitchFamily="34" charset="0"/>
+              <a:buChar char="•"/>
+            </a:pPr>
+            <a:r>
+              <a:rPr lang="en-US" dirty="0"/>
+              <a:t>Introduction</a:t>
+            </a:r>
+          </a:p>
+          <a:p>
+            <a:pPr marL="457200" indent="-457200">
+              <a:buFont typeface="Arial" panose="020B0604020202020204" pitchFamily="34" charset="0"/>
+              <a:buChar char="•"/>
+            </a:pPr>
+            <a:r>
+              <a:rPr lang="en-US" dirty="0"/>
+              <a:t>Data Elements</a:t>
+            </a:r>
+          </a:p>
+          <a:p>
+            <a:pPr marL="457200" indent="-457200">
+              <a:buFont typeface="Arial" panose="020B0604020202020204" pitchFamily="34" charset="0"/>
+              <a:buChar char="•"/>
+            </a:pPr>
+            <a:r>
+              <a:rPr lang="en-US" dirty="0"/>
+              <a:t>Location Data Frame</a:t>
+            </a:r>
+          </a:p>
+          <a:p>
+            <a:pPr marL="457200" indent="-457200">
+              <a:buFontTx/>
+              <a:buChar char="-"/>
+            </a:pPr>
+            <a:r>
+              <a:rPr lang="en-US" dirty="0"/>
+              <a:t>Analysis</a:t>
+            </a:r>
+          </a:p>
+          <a:p>
+            <a:pPr marL="457200" indent="-457200">
+              <a:buFontTx/>
+              <a:buChar char="-"/>
+            </a:pPr>
+            <a:r>
+              <a:rPr lang="en-US" dirty="0"/>
+              <a:t>Visualization</a:t>
+            </a:r>
+          </a:p>
+          <a:p>
+            <a:pPr marL="457200" indent="-457200">
+              <a:buFont typeface="Arial" panose="020B0604020202020204" pitchFamily="34" charset="0"/>
+              <a:buChar char="•"/>
+            </a:pPr>
+            <a:r>
+              <a:rPr lang="en-US" dirty="0"/>
+              <a:t>Person </a:t>
+            </a:r>
+            <a:r>
+              <a:rPr lang="en-US"/>
+              <a:t>Data Frame</a:t>
+            </a:r>
+          </a:p>
+          <a:p>
+            <a:pPr marL="457200" indent="-457200">
+              <a:buFont typeface="Arial" panose="020B0604020202020204" pitchFamily="34" charset="0"/>
+              <a:buChar char="•"/>
+            </a:pPr>
+            <a:endParaRPr lang="en-US" dirty="0"/>
+          </a:p>
+          <a:p>
+            <a:pPr marL="457200" indent="-457200">
+              <a:buFontTx/>
+              <a:buChar char="-"/>
+            </a:pPr>
+            <a:endParaRPr lang="en-US" dirty="0"/>
+          </a:p>
+          <a:p>
+            <a:pPr marL="457200" indent="-457200">
+              <a:buFont typeface="Arial" panose="020B0604020202020204" pitchFamily="34" charset="0"/>
+              <a:buChar char="•"/>
+            </a:pPr>
+            <a:endParaRPr lang="en-US" dirty="0"/>
           </a:p>
         </p:txBody>
       </p:sp>
